--- a/docs/Präsi_rsa_TIN_SLE_PFI.pptx
+++ b/docs/Präsi_rsa_TIN_SLE_PFI.pptx
@@ -6,17 +6,18 @@
     <p:sldMasterId id="2147483661" r:id="rId2"/>
   </p:sldMasterIdLst>
   <p:notesMasterIdLst>
-    <p:notesMasterId r:id="rId11"/>
+    <p:notesMasterId r:id="rId12"/>
   </p:notesMasterIdLst>
   <p:sldIdLst>
     <p:sldId id="256" r:id="rId3"/>
-    <p:sldId id="258" r:id="rId4"/>
-    <p:sldId id="257" r:id="rId5"/>
-    <p:sldId id="262" r:id="rId6"/>
-    <p:sldId id="259" r:id="rId7"/>
-    <p:sldId id="263" r:id="rId8"/>
-    <p:sldId id="261" r:id="rId9"/>
-    <p:sldId id="260" r:id="rId10"/>
+    <p:sldId id="264" r:id="rId4"/>
+    <p:sldId id="258" r:id="rId5"/>
+    <p:sldId id="257" r:id="rId6"/>
+    <p:sldId id="262" r:id="rId7"/>
+    <p:sldId id="259" r:id="rId8"/>
+    <p:sldId id="263" r:id="rId9"/>
+    <p:sldId id="261" r:id="rId10"/>
+    <p:sldId id="260" r:id="rId11"/>
   </p:sldIdLst>
   <p:sldSz cx="12192000" cy="6858000"/>
   <p:notesSz cx="6858000" cy="9144000"/>
@@ -205,7 +206,7 @@
           <a:p>
             <a:fld id="{045874CC-5543-4927-BC34-268ED9575FE5}" type="datetimeFigureOut">
               <a:rPr lang="de-CH" smtClean="0"/>
-              <a:t>17.01.2025</a:t>
+              <a:t>18.01.2025</a:t>
             </a:fld>
             <a:endParaRPr lang="de-CH"/>
           </a:p>
@@ -622,7 +623,7 @@
           <a:p>
             <a:fld id="{CE229DC7-6401-42F5-B7F0-A483B2EB8E36}" type="datetimeFigureOut">
               <a:rPr lang="de-CH" smtClean="0"/>
-              <a:t>17.01.2025</a:t>
+              <a:t>18.01.2025</a:t>
             </a:fld>
             <a:endParaRPr lang="de-CH"/>
           </a:p>
@@ -822,7 +823,7 @@
           <a:p>
             <a:fld id="{CE229DC7-6401-42F5-B7F0-A483B2EB8E36}" type="datetimeFigureOut">
               <a:rPr lang="de-CH" smtClean="0"/>
-              <a:t>17.01.2025</a:t>
+              <a:t>18.01.2025</a:t>
             </a:fld>
             <a:endParaRPr lang="de-CH"/>
           </a:p>
@@ -1032,7 +1033,7 @@
           <a:p>
             <a:fld id="{CE229DC7-6401-42F5-B7F0-A483B2EB8E36}" type="datetimeFigureOut">
               <a:rPr lang="de-CH" smtClean="0"/>
-              <a:t>17.01.2025</a:t>
+              <a:t>18.01.2025</a:t>
             </a:fld>
             <a:endParaRPr lang="de-CH"/>
           </a:p>
@@ -3435,7 +3436,7 @@
           <a:p>
             <a:fld id="{CE229DC7-6401-42F5-B7F0-A483B2EB8E36}" type="datetimeFigureOut">
               <a:rPr lang="de-CH" smtClean="0"/>
-              <a:t>17.01.2025</a:t>
+              <a:t>18.01.2025</a:t>
             </a:fld>
             <a:endParaRPr lang="de-CH"/>
           </a:p>
@@ -7952,7 +7953,7 @@
           <a:p>
             <a:fld id="{CE229DC7-6401-42F5-B7F0-A483B2EB8E36}" type="datetimeFigureOut">
               <a:rPr lang="de-CH" smtClean="0"/>
-              <a:t>17.01.2025</a:t>
+              <a:t>18.01.2025</a:t>
             </a:fld>
             <a:endParaRPr lang="de-CH"/>
           </a:p>
@@ -8488,7 +8489,7 @@
           </a:prstGeom>
           <a:extLst>
             <a:ext uri="{C572A759-6A51-4108-AA02-DFA0A04FC94B}">
-              <ma14:wrappingTextBoxFlag xmlns:ma14="http://schemas.microsoft.com/office/mac/drawingml/2011/main" xmlns="" val="0"/>
+              <ma14:wrappingTextBoxFlag xmlns="" xmlns:ma14="http://schemas.microsoft.com/office/mac/drawingml/2011/main" val="0"/>
             </a:ext>
           </a:extLst>
         </p:spPr>
@@ -8715,7 +8716,7 @@
           <a:p>
             <a:fld id="{CE229DC7-6401-42F5-B7F0-A483B2EB8E36}" type="datetimeFigureOut">
               <a:rPr lang="de-CH" smtClean="0"/>
-              <a:t>17.01.2025</a:t>
+              <a:t>18.01.2025</a:t>
             </a:fld>
             <a:endParaRPr lang="de-CH"/>
           </a:p>
@@ -9130,7 +9131,7 @@
           <a:p>
             <a:fld id="{CE229DC7-6401-42F5-B7F0-A483B2EB8E36}" type="datetimeFigureOut">
               <a:rPr lang="de-CH" smtClean="0"/>
-              <a:t>17.01.2025</a:t>
+              <a:t>18.01.2025</a:t>
             </a:fld>
             <a:endParaRPr lang="de-CH"/>
           </a:p>
@@ -9272,7 +9273,7 @@
           <a:p>
             <a:fld id="{CE229DC7-6401-42F5-B7F0-A483B2EB8E36}" type="datetimeFigureOut">
               <a:rPr lang="de-CH" smtClean="0"/>
-              <a:t>17.01.2025</a:t>
+              <a:t>18.01.2025</a:t>
             </a:fld>
             <a:endParaRPr lang="de-CH"/>
           </a:p>
@@ -9385,7 +9386,7 @@
           <a:p>
             <a:fld id="{CE229DC7-6401-42F5-B7F0-A483B2EB8E36}" type="datetimeFigureOut">
               <a:rPr lang="de-CH" smtClean="0"/>
-              <a:t>17.01.2025</a:t>
+              <a:t>18.01.2025</a:t>
             </a:fld>
             <a:endParaRPr lang="de-CH"/>
           </a:p>
@@ -9698,7 +9699,7 @@
           <a:p>
             <a:fld id="{CE229DC7-6401-42F5-B7F0-A483B2EB8E36}" type="datetimeFigureOut">
               <a:rPr lang="de-CH" smtClean="0"/>
-              <a:t>17.01.2025</a:t>
+              <a:t>18.01.2025</a:t>
             </a:fld>
             <a:endParaRPr lang="de-CH"/>
           </a:p>
@@ -9987,7 +9988,7 @@
           <a:p>
             <a:fld id="{CE229DC7-6401-42F5-B7F0-A483B2EB8E36}" type="datetimeFigureOut">
               <a:rPr lang="de-CH" smtClean="0"/>
-              <a:t>17.01.2025</a:t>
+              <a:t>18.01.2025</a:t>
             </a:fld>
             <a:endParaRPr lang="de-CH"/>
           </a:p>
@@ -10230,7 +10231,7 @@
           <a:p>
             <a:fld id="{CE229DC7-6401-42F5-B7F0-A483B2EB8E36}" type="datetimeFigureOut">
               <a:rPr lang="de-CH" smtClean="0"/>
-              <a:t>17.01.2025</a:t>
+              <a:t>18.01.2025</a:t>
             </a:fld>
             <a:endParaRPr lang="de-CH"/>
           </a:p>
@@ -12205,7 +12206,13 @@
     </p:bg>
     <p:spTree>
       <p:nvGrpSpPr>
-        <p:cNvPr id="1" name=""/>
+        <p:cNvPr id="1" name="">
+          <a:extLst>
+            <a:ext uri="{FF2B5EF4-FFF2-40B4-BE49-F238E27FC236}">
+              <a16:creationId xmlns:a16="http://schemas.microsoft.com/office/drawing/2014/main" id="{1AC20428-4661-81A8-6FFD-569FFFC96C14}"/>
+            </a:ext>
+          </a:extLst>
+        </p:cNvPr>
         <p:cNvGrpSpPr/>
         <p:nvPr/>
       </p:nvGrpSpPr>
@@ -12222,7 +12229,7 @@
           <p:cNvPr id="14" name="Rectangle 7">
             <a:extLst>
               <a:ext uri="{FF2B5EF4-FFF2-40B4-BE49-F238E27FC236}">
-                <a16:creationId xmlns:a16="http://schemas.microsoft.com/office/drawing/2014/main" id="{70DFC902-7D23-471A-B557-B6B6917D7A0D}"/>
+                <a16:creationId xmlns:a16="http://schemas.microsoft.com/office/drawing/2014/main" id="{33F3CFF7-916F-D824-4150-4A006D85F03E}"/>
               </a:ext>
               <a:ext uri="{C183D7F6-B498-43B3-948B-1728B52AA6E4}">
                 <adec:decorative xmlns:adec="http://schemas.microsoft.com/office/drawing/2017/decorative" val="1"/>
@@ -12288,7 +12295,7 @@
           <p:cNvPr id="2" name="Titel 1">
             <a:extLst>
               <a:ext uri="{FF2B5EF4-FFF2-40B4-BE49-F238E27FC236}">
-                <a16:creationId xmlns:a16="http://schemas.microsoft.com/office/drawing/2014/main" id="{1508D1A2-659A-C18D-A90B-652D65BBC313}"/>
+                <a16:creationId xmlns:a16="http://schemas.microsoft.com/office/drawing/2014/main" id="{8CA2FB4D-D6EE-FA08-77DA-B82804780120}"/>
               </a:ext>
             </a:extLst>
           </p:cNvPr>
@@ -12312,12 +12319,12 @@
           <a:lstStyle/>
           <a:p>
             <a:r>
-              <a:rPr lang="de-CH" sz="4000">
+              <a:rPr lang="de-CH" sz="4000" dirty="0">
                 <a:solidFill>
                   <a:schemeClr val="bg1"/>
                 </a:solidFill>
               </a:rPr>
-              <a:t>Aufgabenaufstellung</a:t>
+              <a:t>Organisation</a:t>
             </a:r>
           </a:p>
         </p:txBody>
@@ -12327,7 +12334,7 @@
           <p:cNvPr id="15" name="Rectangle 9">
             <a:extLst>
               <a:ext uri="{FF2B5EF4-FFF2-40B4-BE49-F238E27FC236}">
-                <a16:creationId xmlns:a16="http://schemas.microsoft.com/office/drawing/2014/main" id="{A55D5633-D557-4DCA-982C-FF36EB7A1C00}"/>
+                <a16:creationId xmlns:a16="http://schemas.microsoft.com/office/drawing/2014/main" id="{878AEA5E-A64B-AEE4-C567-803C8949A020}"/>
               </a:ext>
               <a:ext uri="{C183D7F6-B498-43B3-948B-1728B52AA6E4}">
                 <adec:decorative xmlns:adec="http://schemas.microsoft.com/office/drawing/2017/decorative" val="1"/>
@@ -12392,7 +12399,7 @@
           <p:cNvPr id="16" name="Rectangle 11">
             <a:extLst>
               <a:ext uri="{FF2B5EF4-FFF2-40B4-BE49-F238E27FC236}">
-                <a16:creationId xmlns:a16="http://schemas.microsoft.com/office/drawing/2014/main" id="{450D3AD2-FA80-415F-A9CE-54D884561CD7}"/>
+                <a16:creationId xmlns:a16="http://schemas.microsoft.com/office/drawing/2014/main" id="{341DE372-5C8C-8E31-242B-7CA0B3E7C215}"/>
               </a:ext>
               <a:ext uri="{C183D7F6-B498-43B3-948B-1728B52AA6E4}">
                 <adec:decorative xmlns:adec="http://schemas.microsoft.com/office/drawing/2017/decorative" val="1"/>
@@ -12455,7 +12462,7 @@
           <p:cNvPr id="3" name="Inhaltsplatzhalter 2">
             <a:extLst>
               <a:ext uri="{FF2B5EF4-FFF2-40B4-BE49-F238E27FC236}">
-                <a16:creationId xmlns:a16="http://schemas.microsoft.com/office/drawing/2014/main" id="{FB8B21FA-88E9-3D04-36DD-425AF4031447}"/>
+                <a16:creationId xmlns:a16="http://schemas.microsoft.com/office/drawing/2014/main" id="{E804358C-1722-1219-6F50-8D988CD48F59}"/>
               </a:ext>
             </a:extLst>
           </p:cNvPr>
@@ -12478,111 +12485,51 @@
           </a:bodyPr>
           <a:lstStyle/>
           <a:p>
-            <a:pPr marL="0" indent="0">
-              <a:buNone/>
-            </a:pPr>
             <a:r>
               <a:rPr lang="de-DE" sz="2000" dirty="0"/>
-              <a:t>Wir haben uns dazu entschieden, dass wir mehrheitlich alles zusammen machen.</a:t>
-            </a:r>
-          </a:p>
-          <a:p>
+              <a:t>Aufgabenstellung</a:t>
+            </a:r>
+          </a:p>
+          <a:p>
+            <a:r>
+              <a:rPr lang="de-DE" sz="2000" dirty="0"/>
+              <a:t>Was ist RSA?</a:t>
+            </a:r>
+          </a:p>
+          <a:p>
+            <a:r>
+              <a:rPr lang="de-DE" sz="2000" dirty="0" err="1"/>
+              <a:t>Requirements</a:t>
+            </a:r>
             <a:endParaRPr lang="de-DE" sz="2000" dirty="0"/>
           </a:p>
           <a:p>
             <a:r>
               <a:rPr lang="de-DE" sz="2000" dirty="0"/>
-              <a:t>Repository erstellen und einrichten</a:t>
+              <a:t>Code &amp; Tests</a:t>
             </a:r>
           </a:p>
           <a:p>
             <a:r>
               <a:rPr lang="de-DE" sz="2000" dirty="0"/>
-              <a:t>Funktionen erstellen</a:t>
+              <a:t>Flowchart</a:t>
             </a:r>
           </a:p>
           <a:p>
             <a:r>
               <a:rPr lang="de-DE" sz="2000" dirty="0"/>
-              <a:t>Unit Tests</a:t>
-            </a:r>
-          </a:p>
-          <a:p>
-            <a:r>
-              <a:rPr lang="de-DE" sz="2000" dirty="0"/>
-              <a:t>Benchmark</a:t>
-            </a:r>
-          </a:p>
-          <a:p>
-            <a:r>
-              <a:rPr lang="de-DE" sz="2000" dirty="0"/>
-              <a:t>Fixing Codes</a:t>
-            </a:r>
-          </a:p>
-          <a:p>
-            <a:endParaRPr lang="de-DE" sz="2000" dirty="0"/>
+              <a:t>Fazit</a:t>
+            </a:r>
           </a:p>
           <a:p>
             <a:endParaRPr lang="de-CH" sz="2000" dirty="0"/>
           </a:p>
         </p:txBody>
       </p:sp>
-      <p:pic>
-        <p:nvPicPr>
-          <p:cNvPr id="1026" name="Picture 2" descr="Die 10 besten Python-Bibliotheken für die Verarbeitung natürlicher Sprache  (2025) – Unite.AI">
-            <a:extLst>
-              <a:ext uri="{FF2B5EF4-FFF2-40B4-BE49-F238E27FC236}">
-                <a16:creationId xmlns:a16="http://schemas.microsoft.com/office/drawing/2014/main" id="{C48B0231-8B5A-29AC-78BD-E874ABC59B05}"/>
-              </a:ext>
-            </a:extLst>
-          </p:cNvPr>
-          <p:cNvPicPr>
-            <a:picLocks noChangeAspect="1" noChangeArrowheads="1"/>
-          </p:cNvPicPr>
-          <p:nvPr/>
-        </p:nvPicPr>
-        <p:blipFill>
-          <a:blip r:embed="rId2">
-            <a:extLst>
-              <a:ext uri="{28A0092B-C50C-407E-A947-70E740481C1C}">
-                <a14:useLocalDpi xmlns:a14="http://schemas.microsoft.com/office/drawing/2010/main" val="0"/>
-              </a:ext>
-            </a:extLst>
-          </a:blip>
-          <a:srcRect/>
-          <a:stretch>
-            <a:fillRect/>
-          </a:stretch>
-        </p:blipFill>
-        <p:spPr bwMode="auto">
-          <a:xfrm>
-            <a:off x="6096000" y="3232239"/>
-            <a:ext cx="5805021" cy="3317155"/>
-          </a:xfrm>
-          <a:prstGeom prst="ellipse">
-            <a:avLst/>
-          </a:prstGeom>
-          <a:ln>
-            <a:noFill/>
-          </a:ln>
-          <a:effectLst>
-            <a:softEdge rad="112500"/>
-          </a:effectLst>
-          <a:extLst>
-            <a:ext uri="{909E8E84-426E-40DD-AFC4-6F175D3DCCD1}">
-              <a14:hiddenFill xmlns:a14="http://schemas.microsoft.com/office/drawing/2010/main">
-                <a:solidFill>
-                  <a:srgbClr val="FFFFFF"/>
-                </a:solidFill>
-              </a14:hiddenFill>
-            </a:ext>
-          </a:extLst>
-        </p:spPr>
-      </p:pic>
     </p:spTree>
     <p:extLst>
       <p:ext uri="{BB962C8B-B14F-4D97-AF65-F5344CB8AC3E}">
-        <p14:creationId xmlns:p14="http://schemas.microsoft.com/office/powerpoint/2010/main" val="4176037702"/>
+        <p14:creationId xmlns:p14="http://schemas.microsoft.com/office/powerpoint/2010/main" val="2047697357"/>
       </p:ext>
     </p:extLst>
   </p:cSld>
@@ -12619,7 +12566,7 @@
       </p:grpSpPr>
       <p:sp>
         <p:nvSpPr>
-          <p:cNvPr id="8" name="Rectangle 7">
+          <p:cNvPr id="14" name="Rectangle 7">
             <a:extLst>
               <a:ext uri="{FF2B5EF4-FFF2-40B4-BE49-F238E27FC236}">
                 <a16:creationId xmlns:a16="http://schemas.microsoft.com/office/drawing/2014/main" id="{70DFC902-7D23-471A-B557-B6B6917D7A0D}"/>
@@ -12688,7 +12635,7 @@
           <p:cNvPr id="2" name="Titel 1">
             <a:extLst>
               <a:ext uri="{FF2B5EF4-FFF2-40B4-BE49-F238E27FC236}">
-                <a16:creationId xmlns:a16="http://schemas.microsoft.com/office/drawing/2014/main" id="{4D413BA3-5837-33FA-0821-F681066EE1A0}"/>
+                <a16:creationId xmlns:a16="http://schemas.microsoft.com/office/drawing/2014/main" id="{1508D1A2-659A-C18D-A90B-652D65BBC313}"/>
               </a:ext>
             </a:extLst>
           </p:cNvPr>
@@ -12712,24 +12659,19 @@
           <a:lstStyle/>
           <a:p>
             <a:r>
-              <a:rPr lang="de-DE" sz="4000" dirty="0">
+              <a:rPr lang="de-CH" sz="4000">
                 <a:solidFill>
                   <a:schemeClr val="bg1"/>
                 </a:solidFill>
               </a:rPr>
-              <a:t>Was ist RSA?</a:t>
-            </a:r>
-            <a:endParaRPr lang="de-CH" sz="4000" dirty="0">
-              <a:solidFill>
-                <a:schemeClr val="bg1"/>
-              </a:solidFill>
-            </a:endParaRPr>
-          </a:p>
-        </p:txBody>
-      </p:sp>
-      <p:sp>
-        <p:nvSpPr>
-          <p:cNvPr id="10" name="Rectangle 9">
+              <a:t>Aufgabenaufstellung</a:t>
+            </a:r>
+          </a:p>
+        </p:txBody>
+      </p:sp>
+      <p:sp>
+        <p:nvSpPr>
+          <p:cNvPr id="15" name="Rectangle 9">
             <a:extLst>
               <a:ext uri="{FF2B5EF4-FFF2-40B4-BE49-F238E27FC236}">
                 <a16:creationId xmlns:a16="http://schemas.microsoft.com/office/drawing/2014/main" id="{A55D5633-D557-4DCA-982C-FF36EB7A1C00}"/>
@@ -12794,7 +12736,7 @@
       </p:sp>
       <p:sp>
         <p:nvSpPr>
-          <p:cNvPr id="12" name="Rectangle 11">
+          <p:cNvPr id="16" name="Rectangle 11">
             <a:extLst>
               <a:ext uri="{FF2B5EF4-FFF2-40B4-BE49-F238E27FC236}">
                 <a16:creationId xmlns:a16="http://schemas.microsoft.com/office/drawing/2014/main" id="{450D3AD2-FA80-415F-A9CE-54D884561CD7}"/>
@@ -12860,6 +12802,411 @@
           <p:cNvPr id="3" name="Inhaltsplatzhalter 2">
             <a:extLst>
               <a:ext uri="{FF2B5EF4-FFF2-40B4-BE49-F238E27FC236}">
+                <a16:creationId xmlns:a16="http://schemas.microsoft.com/office/drawing/2014/main" id="{FB8B21FA-88E9-3D04-36DD-425AF4031447}"/>
+              </a:ext>
+            </a:extLst>
+          </p:cNvPr>
+          <p:cNvSpPr>
+            <a:spLocks noGrp="1"/>
+          </p:cNvSpPr>
+          <p:nvPr>
+            <p:ph idx="1"/>
+          </p:nvPr>
+        </p:nvSpPr>
+        <p:spPr>
+          <a:xfrm>
+            <a:off x="1155548" y="2217343"/>
+            <a:ext cx="9880893" cy="3959619"/>
+          </a:xfrm>
+        </p:spPr>
+        <p:txBody>
+          <a:bodyPr>
+            <a:normAutofit/>
+          </a:bodyPr>
+          <a:lstStyle/>
+          <a:p>
+            <a:pPr marL="0" indent="0">
+              <a:buNone/>
+            </a:pPr>
+            <a:r>
+              <a:rPr lang="de-DE" sz="2000" dirty="0"/>
+              <a:t>Wir haben uns dazu entschieden, dass wir mehrheitlich alles zusammen machen.</a:t>
+            </a:r>
+          </a:p>
+          <a:p>
+            <a:endParaRPr lang="de-DE" sz="2000" dirty="0"/>
+          </a:p>
+          <a:p>
+            <a:r>
+              <a:rPr lang="de-DE" sz="2000" dirty="0"/>
+              <a:t>Repository erstellen und einrichten</a:t>
+            </a:r>
+          </a:p>
+          <a:p>
+            <a:r>
+              <a:rPr lang="de-DE" sz="2000" dirty="0"/>
+              <a:t>Funktionen erstellen</a:t>
+            </a:r>
+          </a:p>
+          <a:p>
+            <a:r>
+              <a:rPr lang="de-DE" sz="2000" dirty="0"/>
+              <a:t>Unit Tests</a:t>
+            </a:r>
+          </a:p>
+          <a:p>
+            <a:r>
+              <a:rPr lang="de-DE" sz="2000" dirty="0"/>
+              <a:t>Benchmark</a:t>
+            </a:r>
+          </a:p>
+          <a:p>
+            <a:r>
+              <a:rPr lang="de-DE" sz="2000" dirty="0"/>
+              <a:t>Fixing Codes</a:t>
+            </a:r>
+          </a:p>
+          <a:p>
+            <a:endParaRPr lang="de-DE" sz="2000" dirty="0"/>
+          </a:p>
+          <a:p>
+            <a:endParaRPr lang="de-CH" sz="2000" dirty="0"/>
+          </a:p>
+        </p:txBody>
+      </p:sp>
+      <p:pic>
+        <p:nvPicPr>
+          <p:cNvPr id="1026" name="Picture 2" descr="Die 10 besten Python-Bibliotheken für die Verarbeitung natürlicher Sprache  (2025) – Unite.AI">
+            <a:extLst>
+              <a:ext uri="{FF2B5EF4-FFF2-40B4-BE49-F238E27FC236}">
+                <a16:creationId xmlns:a16="http://schemas.microsoft.com/office/drawing/2014/main" id="{C48B0231-8B5A-29AC-78BD-E874ABC59B05}"/>
+              </a:ext>
+            </a:extLst>
+          </p:cNvPr>
+          <p:cNvPicPr>
+            <a:picLocks noChangeAspect="1" noChangeArrowheads="1"/>
+          </p:cNvPicPr>
+          <p:nvPr/>
+        </p:nvPicPr>
+        <p:blipFill>
+          <a:blip r:embed="rId2">
+            <a:extLst>
+              <a:ext uri="{28A0092B-C50C-407E-A947-70E740481C1C}">
+                <a14:useLocalDpi xmlns:a14="http://schemas.microsoft.com/office/drawing/2010/main" val="0"/>
+              </a:ext>
+            </a:extLst>
+          </a:blip>
+          <a:srcRect/>
+          <a:stretch>
+            <a:fillRect/>
+          </a:stretch>
+        </p:blipFill>
+        <p:spPr bwMode="auto">
+          <a:xfrm>
+            <a:off x="6096000" y="3232239"/>
+            <a:ext cx="5805021" cy="3317155"/>
+          </a:xfrm>
+          <a:prstGeom prst="ellipse">
+            <a:avLst/>
+          </a:prstGeom>
+          <a:ln>
+            <a:noFill/>
+          </a:ln>
+          <a:effectLst>
+            <a:softEdge rad="112500"/>
+          </a:effectLst>
+          <a:extLst>
+            <a:ext uri="{909E8E84-426E-40DD-AFC4-6F175D3DCCD1}">
+              <a14:hiddenFill xmlns:a14="http://schemas.microsoft.com/office/drawing/2010/main">
+                <a:solidFill>
+                  <a:srgbClr val="FFFFFF"/>
+                </a:solidFill>
+              </a14:hiddenFill>
+            </a:ext>
+          </a:extLst>
+        </p:spPr>
+      </p:pic>
+    </p:spTree>
+    <p:extLst>
+      <p:ext uri="{BB962C8B-B14F-4D97-AF65-F5344CB8AC3E}">
+        <p14:creationId xmlns:p14="http://schemas.microsoft.com/office/powerpoint/2010/main" val="4176037702"/>
+      </p:ext>
+    </p:extLst>
+  </p:cSld>
+  <p:clrMapOvr>
+    <a:masterClrMapping/>
+  </p:clrMapOvr>
+</p:sld>
+</file>
+
+<file path=ppt/slides/slide4.xml><?xml version="1.0" encoding="utf-8"?>
+<p:sld xmlns:a="http://schemas.openxmlformats.org/drawingml/2006/main" xmlns:r="http://schemas.openxmlformats.org/officeDocument/2006/relationships" xmlns:p="http://schemas.openxmlformats.org/presentationml/2006/main">
+  <p:cSld>
+    <p:bg>
+      <p:bgPr>
+        <a:solidFill>
+          <a:schemeClr val="bg1"/>
+        </a:solidFill>
+        <a:effectLst/>
+      </p:bgPr>
+    </p:bg>
+    <p:spTree>
+      <p:nvGrpSpPr>
+        <p:cNvPr id="1" name=""/>
+        <p:cNvGrpSpPr/>
+        <p:nvPr/>
+      </p:nvGrpSpPr>
+      <p:grpSpPr>
+        <a:xfrm>
+          <a:off x="0" y="0"/>
+          <a:ext cx="0" cy="0"/>
+          <a:chOff x="0" y="0"/>
+          <a:chExt cx="0" cy="0"/>
+        </a:xfrm>
+      </p:grpSpPr>
+      <p:sp>
+        <p:nvSpPr>
+          <p:cNvPr id="8" name="Rectangle 7">
+            <a:extLst>
+              <a:ext uri="{FF2B5EF4-FFF2-40B4-BE49-F238E27FC236}">
+                <a16:creationId xmlns:a16="http://schemas.microsoft.com/office/drawing/2014/main" id="{70DFC902-7D23-471A-B557-B6B6917D7A0D}"/>
+              </a:ext>
+              <a:ext uri="{C183D7F6-B498-43B3-948B-1728B52AA6E4}">
+                <adec:decorative xmlns:adec="http://schemas.microsoft.com/office/drawing/2017/decorative" val="1"/>
+              </a:ext>
+            </a:extLst>
+          </p:cNvPr>
+          <p:cNvSpPr>
+            <a:spLocks noGrp="1" noRot="1" noChangeAspect="1" noMove="1" noResize="1" noEditPoints="1" noAdjustHandles="1" noChangeArrowheads="1" noChangeShapeType="1" noTextEdit="1"/>
+          </p:cNvSpPr>
+          <p:nvPr>
+            <p:extLst>
+              <p:ext uri="{386F3935-93C4-4BCD-93E2-E3B085C9AB24}">
+                <p16:designElem xmlns:p16="http://schemas.microsoft.com/office/powerpoint/2015/main" val="1"/>
+              </p:ext>
+            </p:extLst>
+          </p:nvPr>
+        </p:nvSpPr>
+        <p:spPr>
+          <a:xfrm>
+            <a:off x="10" y="-5705"/>
+            <a:ext cx="12191990" cy="1694346"/>
+          </a:xfrm>
+          <a:prstGeom prst="rect">
+            <a:avLst/>
+          </a:prstGeom>
+          <a:solidFill>
+            <a:schemeClr val="tx1">
+              <a:lumMod val="85000"/>
+              <a:lumOff val="15000"/>
+            </a:schemeClr>
+          </a:solidFill>
+          <a:ln>
+            <a:noFill/>
+          </a:ln>
+        </p:spPr>
+        <p:style>
+          <a:lnRef idx="2">
+            <a:schemeClr val="accent1">
+              <a:shade val="50000"/>
+            </a:schemeClr>
+          </a:lnRef>
+          <a:fillRef idx="1">
+            <a:schemeClr val="accent1"/>
+          </a:fillRef>
+          <a:effectRef idx="0">
+            <a:schemeClr val="accent1"/>
+          </a:effectRef>
+          <a:fontRef idx="minor">
+            <a:schemeClr val="lt1"/>
+          </a:fontRef>
+        </p:style>
+        <p:txBody>
+          <a:bodyPr rtlCol="0" anchor="ctr"/>
+          <a:lstStyle/>
+          <a:p>
+            <a:pPr algn="ctr"/>
+            <a:endParaRPr lang="en-US"/>
+          </a:p>
+        </p:txBody>
+      </p:sp>
+      <p:sp>
+        <p:nvSpPr>
+          <p:cNvPr id="2" name="Titel 1">
+            <a:extLst>
+              <a:ext uri="{FF2B5EF4-FFF2-40B4-BE49-F238E27FC236}">
+                <a16:creationId xmlns:a16="http://schemas.microsoft.com/office/drawing/2014/main" id="{4D413BA3-5837-33FA-0821-F681066EE1A0}"/>
+              </a:ext>
+            </a:extLst>
+          </p:cNvPr>
+          <p:cNvSpPr>
+            <a:spLocks noGrp="1"/>
+          </p:cNvSpPr>
+          <p:nvPr>
+            <p:ph type="title"/>
+          </p:nvPr>
+        </p:nvSpPr>
+        <p:spPr>
+          <a:xfrm>
+            <a:off x="1156851" y="637762"/>
+            <a:ext cx="9888496" cy="900131"/>
+          </a:xfrm>
+        </p:spPr>
+        <p:txBody>
+          <a:bodyPr anchor="t">
+            <a:normAutofit/>
+          </a:bodyPr>
+          <a:lstStyle/>
+          <a:p>
+            <a:r>
+              <a:rPr lang="de-DE" sz="4000" dirty="0">
+                <a:solidFill>
+                  <a:schemeClr val="bg1"/>
+                </a:solidFill>
+              </a:rPr>
+              <a:t>Was ist RSA?</a:t>
+            </a:r>
+            <a:endParaRPr lang="de-CH" sz="4000" dirty="0">
+              <a:solidFill>
+                <a:schemeClr val="bg1"/>
+              </a:solidFill>
+            </a:endParaRPr>
+          </a:p>
+        </p:txBody>
+      </p:sp>
+      <p:sp>
+        <p:nvSpPr>
+          <p:cNvPr id="10" name="Rectangle 9">
+            <a:extLst>
+              <a:ext uri="{FF2B5EF4-FFF2-40B4-BE49-F238E27FC236}">
+                <a16:creationId xmlns:a16="http://schemas.microsoft.com/office/drawing/2014/main" id="{A55D5633-D557-4DCA-982C-FF36EB7A1C00}"/>
+              </a:ext>
+              <a:ext uri="{C183D7F6-B498-43B3-948B-1728B52AA6E4}">
+                <adec:decorative xmlns:adec="http://schemas.microsoft.com/office/drawing/2017/decorative" val="1"/>
+              </a:ext>
+            </a:extLst>
+          </p:cNvPr>
+          <p:cNvSpPr>
+            <a:spLocks noGrp="1" noRot="1" noChangeAspect="1" noMove="1" noResize="1" noEditPoints="1" noAdjustHandles="1" noChangeArrowheads="1" noChangeShapeType="1" noTextEdit="1"/>
+          </p:cNvSpPr>
+          <p:nvPr>
+            <p:extLst>
+              <p:ext uri="{386F3935-93C4-4BCD-93E2-E3B085C9AB24}">
+                <p16:designElem xmlns:p16="http://schemas.microsoft.com/office/powerpoint/2015/main" val="1"/>
+              </p:ext>
+            </p:extLst>
+          </p:nvPr>
+        </p:nvSpPr>
+        <p:spPr>
+          <a:xfrm>
+            <a:off x="0" y="1688641"/>
+            <a:ext cx="12191990" cy="5169359"/>
+          </a:xfrm>
+          <a:prstGeom prst="rect">
+            <a:avLst/>
+          </a:prstGeom>
+          <a:solidFill>
+            <a:schemeClr val="bg1">
+              <a:lumMod val="95000"/>
+            </a:schemeClr>
+          </a:solidFill>
+          <a:ln>
+            <a:noFill/>
+          </a:ln>
+        </p:spPr>
+        <p:style>
+          <a:lnRef idx="2">
+            <a:schemeClr val="accent1">
+              <a:shade val="50000"/>
+            </a:schemeClr>
+          </a:lnRef>
+          <a:fillRef idx="1">
+            <a:schemeClr val="accent1"/>
+          </a:fillRef>
+          <a:effectRef idx="0">
+            <a:schemeClr val="accent1"/>
+          </a:effectRef>
+          <a:fontRef idx="minor">
+            <a:schemeClr val="lt1"/>
+          </a:fontRef>
+        </p:style>
+        <p:txBody>
+          <a:bodyPr rtlCol="0" anchor="ctr"/>
+          <a:lstStyle/>
+          <a:p>
+            <a:pPr algn="ctr"/>
+            <a:endParaRPr lang="en-US"/>
+          </a:p>
+        </p:txBody>
+      </p:sp>
+      <p:sp>
+        <p:nvSpPr>
+          <p:cNvPr id="12" name="Rectangle 11">
+            <a:extLst>
+              <a:ext uri="{FF2B5EF4-FFF2-40B4-BE49-F238E27FC236}">
+                <a16:creationId xmlns:a16="http://schemas.microsoft.com/office/drawing/2014/main" id="{450D3AD2-FA80-415F-A9CE-54D884561CD7}"/>
+              </a:ext>
+              <a:ext uri="{C183D7F6-B498-43B3-948B-1728B52AA6E4}">
+                <adec:decorative xmlns:adec="http://schemas.microsoft.com/office/drawing/2017/decorative" val="1"/>
+              </a:ext>
+            </a:extLst>
+          </p:cNvPr>
+          <p:cNvSpPr>
+            <a:spLocks noGrp="1" noRot="1" noChangeAspect="1" noMove="1" noResize="1" noEditPoints="1" noAdjustHandles="1" noChangeArrowheads="1" noChangeShapeType="1" noTextEdit="1"/>
+          </p:cNvSpPr>
+          <p:nvPr>
+            <p:extLst>
+              <p:ext uri="{386F3935-93C4-4BCD-93E2-E3B085C9AB24}">
+                <p16:designElem xmlns:p16="http://schemas.microsoft.com/office/powerpoint/2015/main" val="1"/>
+              </p:ext>
+            </p:extLst>
+          </p:nvPr>
+        </p:nvSpPr>
+        <p:spPr>
+          <a:xfrm>
+            <a:off x="1156851" y="2010758"/>
+            <a:ext cx="457190" cy="45719"/>
+          </a:xfrm>
+          <a:prstGeom prst="rect">
+            <a:avLst/>
+          </a:prstGeom>
+          <a:solidFill>
+            <a:schemeClr val="tx1"/>
+          </a:solidFill>
+          <a:ln>
+            <a:noFill/>
+          </a:ln>
+        </p:spPr>
+        <p:style>
+          <a:lnRef idx="2">
+            <a:schemeClr val="accent1">
+              <a:shade val="50000"/>
+            </a:schemeClr>
+          </a:lnRef>
+          <a:fillRef idx="1">
+            <a:schemeClr val="accent1"/>
+          </a:fillRef>
+          <a:effectRef idx="0">
+            <a:schemeClr val="accent1"/>
+          </a:effectRef>
+          <a:fontRef idx="minor">
+            <a:schemeClr val="lt1"/>
+          </a:fontRef>
+        </p:style>
+        <p:txBody>
+          <a:bodyPr rtlCol="0" anchor="ctr"/>
+          <a:lstStyle/>
+          <a:p>
+            <a:pPr algn="ctr"/>
+            <a:endParaRPr lang="en-US"/>
+          </a:p>
+        </p:txBody>
+      </p:sp>
+      <p:sp>
+        <p:nvSpPr>
+          <p:cNvPr id="3" name="Inhaltsplatzhalter 2">
+            <a:extLst>
+              <a:ext uri="{FF2B5EF4-FFF2-40B4-BE49-F238E27FC236}">
                 <a16:creationId xmlns:a16="http://schemas.microsoft.com/office/drawing/2014/main" id="{76DAB132-BE6C-FCE3-7ED0-9B0A9AD30234}"/>
               </a:ext>
             </a:extLst>
@@ -13091,7 +13438,7 @@
 </p:sld>
 </file>
 
-<file path=ppt/slides/slide4.xml><?xml version="1.0" encoding="utf-8"?>
+<file path=ppt/slides/slide5.xml><?xml version="1.0" encoding="utf-8"?>
 <p:sld xmlns:a="http://schemas.openxmlformats.org/drawingml/2006/main" xmlns:r="http://schemas.openxmlformats.org/officeDocument/2006/relationships" xmlns:p="http://schemas.openxmlformats.org/presentationml/2006/main">
   <p:cSld>
     <p:bg>
@@ -13534,7 +13881,7 @@
 </p:sld>
 </file>
 
-<file path=ppt/slides/slide5.xml><?xml version="1.0" encoding="utf-8"?>
+<file path=ppt/slides/slide6.xml><?xml version="1.0" encoding="utf-8"?>
 <p:sld xmlns:a="http://schemas.openxmlformats.org/drawingml/2006/main" xmlns:r="http://schemas.openxmlformats.org/officeDocument/2006/relationships" xmlns:p="http://schemas.openxmlformats.org/presentationml/2006/main">
   <p:cSld>
     <p:bg>
@@ -15436,7 +15783,7 @@
 </p:sld>
 </file>
 
-<file path=ppt/slides/slide6.xml><?xml version="1.0" encoding="utf-8"?>
+<file path=ppt/slides/slide7.xml><?xml version="1.0" encoding="utf-8"?>
 <p:sld xmlns:a="http://schemas.openxmlformats.org/drawingml/2006/main" xmlns:r="http://schemas.openxmlformats.org/officeDocument/2006/relationships" xmlns:p="http://schemas.openxmlformats.org/presentationml/2006/main">
   <p:cSld>
     <p:spTree>
@@ -15586,7 +15933,7 @@
 </p:sld>
 </file>
 
-<file path=ppt/slides/slide7.xml><?xml version="1.0" encoding="utf-8"?>
+<file path=ppt/slides/slide8.xml><?xml version="1.0" encoding="utf-8"?>
 <p:sld xmlns:a="http://schemas.openxmlformats.org/drawingml/2006/main" xmlns:r="http://schemas.openxmlformats.org/officeDocument/2006/relationships" xmlns:p="http://schemas.openxmlformats.org/presentationml/2006/main">
   <p:cSld>
     <p:bg>
@@ -15966,7 +16313,7 @@
 </p:sld>
 </file>
 
-<file path=ppt/slides/slide8.xml><?xml version="1.0" encoding="utf-8"?>
+<file path=ppt/slides/slide9.xml><?xml version="1.0" encoding="utf-8"?>
 <p:sld xmlns:a="http://schemas.openxmlformats.org/drawingml/2006/main" xmlns:r="http://schemas.openxmlformats.org/officeDocument/2006/relationships" xmlns:p="http://schemas.openxmlformats.org/presentationml/2006/main">
   <p:cSld>
     <p:spTree>

--- a/docs/Präsi_rsa_TIN_SLE_PFI.pptx
+++ b/docs/Präsi_rsa_TIN_SLE_PFI.pptx
@@ -8489,7 +8489,7 @@
           </a:prstGeom>
           <a:extLst>
             <a:ext uri="{C572A759-6A51-4108-AA02-DFA0A04FC94B}">
-              <ma14:wrappingTextBoxFlag xmlns="" xmlns:ma14="http://schemas.microsoft.com/office/mac/drawingml/2011/main" val="0"/>
+              <ma14:wrappingTextBoxFlag xmlns:ma14="http://schemas.microsoft.com/office/mac/drawingml/2011/main" xmlns="" val="0"/>
             </a:ext>
           </a:extLst>
         </p:spPr>
@@ -16169,7 +16169,7 @@
                   <a:schemeClr val="bg1"/>
                 </a:solidFill>
               </a:rPr>
-              <a:t>Diverse Möglichkeiten ein Problem zu lösen</a:t>
+              <a:t> Es gibt diverse Möglichkeiten ein Problem zu Lösen</a:t>
             </a:r>
           </a:p>
           <a:p>
@@ -16179,7 +16179,7 @@
                   <a:schemeClr val="bg1"/>
                 </a:solidFill>
               </a:rPr>
-              <a:t>Gleichzeitiges arbeiten an einem Branch -&gt; </a:t>
+              <a:t>- RSA war evtl. ein zu </a:t>
             </a:r>
             <a:r>
               <a:rPr lang="de-DE" sz="2000" dirty="0" err="1">
@@ -16187,7 +16187,7 @@
                   <a:schemeClr val="bg1"/>
                 </a:solidFill>
               </a:rPr>
-              <a:t>Git</a:t>
+              <a:t>komplizertes</a:t>
             </a:r>
             <a:r>
               <a:rPr lang="de-DE" sz="2000" dirty="0">
@@ -16195,7 +16195,17 @@
                   <a:schemeClr val="bg1"/>
                 </a:solidFill>
               </a:rPr>
-              <a:t> Konflikte</a:t>
+              <a:t> Thema für unsere Gruppenzusammenstellung</a:t>
+            </a:r>
+          </a:p>
+          <a:p>
+            <a:r>
+              <a:rPr lang="de-DE" sz="2000" dirty="0">
+                <a:solidFill>
+                  <a:schemeClr val="bg1"/>
+                </a:solidFill>
+              </a:rPr>
+              <a:t>- Manchmal braucht es mehrere Anläufe</a:t>
             </a:r>
             <a:endParaRPr lang="de-CH" sz="2000" dirty="0">
               <a:solidFill>

--- a/docs/Präsi_rsa_TIN_SLE_PFI.pptx
+++ b/docs/Präsi_rsa_TIN_SLE_PFI.pptx
@@ -8489,7 +8489,7 @@
           </a:prstGeom>
           <a:extLst>
             <a:ext uri="{C572A759-6A51-4108-AA02-DFA0A04FC94B}">
-              <ma14:wrappingTextBoxFlag xmlns:ma14="http://schemas.microsoft.com/office/mac/drawingml/2011/main" xmlns="" val="0"/>
+              <ma14:wrappingTextBoxFlag xmlns="" xmlns:ma14="http://schemas.microsoft.com/office/mac/drawingml/2011/main" val="0"/>
             </a:ext>
           </a:extLst>
         </p:spPr>
@@ -16179,15 +16179,17 @@
                   <a:schemeClr val="bg1"/>
                 </a:solidFill>
               </a:rPr>
-              <a:t>- RSA war evtl. ein zu </a:t>
-            </a:r>
-            <a:r>
-              <a:rPr lang="de-DE" sz="2000" dirty="0" err="1">
+              <a:t>RSA war evtl. ein zu kompliziertes Thema für unsere Gruppenzusammenstellung</a:t>
+            </a:r>
+          </a:p>
+          <a:p>
+            <a:r>
+              <a:rPr lang="de-DE" sz="2000">
                 <a:solidFill>
                   <a:schemeClr val="bg1"/>
                 </a:solidFill>
               </a:rPr>
-              <a:t>komplizertes</a:t>
+              <a:t>Manchmal </a:t>
             </a:r>
             <a:r>
               <a:rPr lang="de-DE" sz="2000" dirty="0">
@@ -16195,17 +16197,7 @@
                   <a:schemeClr val="bg1"/>
                 </a:solidFill>
               </a:rPr>
-              <a:t> Thema für unsere Gruppenzusammenstellung</a:t>
-            </a:r>
-          </a:p>
-          <a:p>
-            <a:r>
-              <a:rPr lang="de-DE" sz="2000" dirty="0">
-                <a:solidFill>
-                  <a:schemeClr val="bg1"/>
-                </a:solidFill>
-              </a:rPr>
-              <a:t>- Manchmal braucht es mehrere Anläufe</a:t>
+              <a:t>braucht es mehrere Anläufe</a:t>
             </a:r>
             <a:endParaRPr lang="de-CH" sz="2000" dirty="0">
               <a:solidFill>
